--- a/Day8/Ch10_NaturalLanguage.pptx
+++ b/Day8/Ch10_NaturalLanguage.pptx
@@ -6534,7 +6534,7 @@
                 </a:solidFill>
                 <a:latin typeface="Calibri" pitchFamily="34" charset="0"/>
               </a:rPr>
-              <a:t>9-</a:t>
+              <a:t>10-</a:t>
             </a:r>
             <a:fld id="{B722F7F8-9603-472A-A081-A1C5DB32BB89}" type="slidenum">
               <a:rPr lang="en-US" sz="1100" b="0" smtClean="0">
@@ -7147,9 +7147,10 @@
           <a:lstStyle/>
           <a:p>
             <a:r>
-              <a:rPr lang="en-US" dirty="0"/>
-              <a:t>Spark for Data Scientists</a:t>
-            </a:r>
+              <a:rPr lang="en-US"/>
+              <a:t>Spark Program</a:t>
+            </a:r>
+            <a:endParaRPr lang="en-US" dirty="0"/>
           </a:p>
         </p:txBody>
       </p:sp>

--- a/Day8/Ch10_NaturalLanguage.pptx
+++ b/Day8/Ch10_NaturalLanguage.pptx
@@ -279,7 +279,7 @@
               <a:rPr lang="en-US" dirty="0">
                 <a:latin typeface="Tahoma" pitchFamily="34" charset="0"/>
               </a:rPr>
-              <a:t>455DS: Spark for Data Scientists</a:t>
+              <a:t>Spark Program</a:t>
             </a:r>
           </a:p>
         </p:txBody>
@@ -338,7 +338,7 @@
                 <a:ea typeface="Tahoma" pitchFamily="34" charset="0"/>
                 <a:cs typeface="Tahoma" pitchFamily="34" charset="0"/>
               </a:rPr>
-              <a:t>Chapter 6</a:t>
+              <a:t>Chapter 10</a:t>
             </a:r>
           </a:p>
         </p:txBody>
@@ -728,7 +728,7 @@
                 </a:solidFill>
                 <a:latin typeface="Tahoma" pitchFamily="34" charset="0"/>
               </a:rPr>
-              <a:t>Chapter 6-</a:t>
+              <a:t>Chapter 10-</a:t>
             </a:r>
             <a:fld id="{9C58707A-6F60-4D20-8A8B-4F90B88EA4F7}" type="slidenum">
               <a:rPr lang="en-US" sz="1200" smtClean="0">
@@ -801,7 +801,7 @@
                 </a:solidFill>
                 <a:latin typeface="Tahoma" pitchFamily="34" charset="0"/>
               </a:rPr>
-              <a:t>455DS: Spark for Data Scientists</a:t>
+              <a:t>Spark Program</a:t>
             </a:r>
           </a:p>
         </p:txBody>
@@ -6484,7 +6484,7 @@
                 <a:ea typeface="Tahoma" panose="020B0604030504040204" pitchFamily="34" charset="0"/>
                 <a:cs typeface="Tahoma" panose="020B0604030504040204" pitchFamily="34" charset="0"/>
               </a:rPr>
-              <a:t>455DS: Spark for Data Scientists</a:t>
+              <a:t>Spark Program</a:t>
             </a:r>
           </a:p>
         </p:txBody>
@@ -7147,10 +7147,9 @@
           <a:lstStyle/>
           <a:p>
             <a:r>
-              <a:rPr lang="en-US"/>
+              <a:rPr lang="en-US" dirty="0"/>
               <a:t>Spark Program</a:t>
             </a:r>
-            <a:endParaRPr lang="en-US" dirty="0"/>
           </a:p>
         </p:txBody>
       </p:sp>
@@ -7196,8 +7195,8 @@
         </p:nvSpPr>
         <p:spPr>
           <a:xfrm>
-            <a:off x="581025" y="1155614"/>
-            <a:ext cx="8210278" cy="3690706"/>
+            <a:off x="581024" y="1155614"/>
+            <a:ext cx="8096631" cy="5072616"/>
           </a:xfrm>
         </p:spPr>
         <p:txBody>
@@ -7206,15 +7205,7 @@
           <a:p>
             <a:r>
               <a:rPr lang="en-US" dirty="0"/>
-              <a:t>Because an RDD is a lazy evaluation of a chain of transformations, each time you do an action on that RDD or </a:t>
-            </a:r>
-            <a:r>
-              <a:rPr lang="en-US" dirty="0" err="1"/>
-              <a:t>DataFrame</a:t>
-            </a:r>
-            <a:r>
-              <a:rPr lang="en-US" dirty="0"/>
-              <a:t>, it recalculates everything from the very beginning</a:t>
+              <a:t>Because an RDD is a lazy evaluation of a chain of transformations, each time you do an action on that RDD or DataFrame, it recalculates everything from the very beginning</a:t>
             </a:r>
           </a:p>
           <a:p>
@@ -7226,7 +7217,7 @@
           <a:p>
             <a:r>
               <a:rPr lang="en-US" dirty="0"/>
-              <a:t>Caching is the answer. It allows you to pin the results of an RDD in the cluster for the duration of the session or until you manually release it</a:t>
+              <a:t>Caching is the answer—it allows you to pin the results of an RDD in the cluster for the duration of the session or until you manually release it</a:t>
             </a:r>
           </a:p>
           <a:p>
@@ -7238,27 +7229,27 @@
           <a:p>
             <a:r>
               <a:rPr lang="en-US" dirty="0"/>
-              <a:t>You also have control over how many redundant copies it stores and whether it should store it as</a:t>
+              <a:t>You also have control over how many redundant copies it stores and whether it should store it as:</a:t>
             </a:r>
           </a:p>
           <a:p>
             <a:pPr lvl="1"/>
             <a:r>
               <a:rPr lang="en-US" dirty="0"/>
-              <a:t>deserialized which takes more memory but less CPU</a:t>
+              <a:t>Deserialized which takes more memory but less CPU</a:t>
             </a:r>
           </a:p>
           <a:p>
             <a:pPr lvl="1"/>
             <a:r>
               <a:rPr lang="en-US" dirty="0"/>
-              <a:t>serialized Java object which is more memory efficient but uses more CPU</a:t>
+              <a:t>Serialized Java object which is more memory efficient but uses more CPU</a:t>
             </a:r>
           </a:p>
           <a:p>
             <a:r>
               <a:rPr lang="en-US" dirty="0"/>
-              <a:t>There are two methods </a:t>
+              <a:t>There are two methods, </a:t>
             </a:r>
             <a:r>
               <a:rPr lang="en-US" dirty="0">
@@ -7280,25 +7271,21 @@
             </a:r>
             <a:r>
               <a:rPr lang="en-US" dirty="0"/>
-              <a:t> which is simply a shorthand for persist with the default option of memory only</a:t>
+              <a:t>, which is simply a shorthand for persist with the default option of memory only</a:t>
             </a:r>
           </a:p>
           <a:p>
             <a:r>
               <a:rPr lang="en-US" dirty="0"/>
-              <a:t>To remove a cached object use </a:t>
-            </a:r>
-            <a:r>
-              <a:rPr lang="en-US" dirty="0" err="1">
+              <a:t>To remove a cached object, use </a:t>
+            </a:r>
+            <a:r>
+              <a:rPr lang="en-US" dirty="0">
                 <a:latin typeface="Courier New" panose="02070309020205020404" pitchFamily="49" charset="0"/>
                 <a:cs typeface="Courier New" panose="02070309020205020404" pitchFamily="49" charset="0"/>
               </a:rPr>
               <a:t>unpersist</a:t>
             </a:r>
-            <a:endParaRPr lang="en-US" dirty="0">
-              <a:latin typeface="Courier New" panose="02070309020205020404" pitchFamily="49" charset="0"/>
-              <a:cs typeface="Courier New" panose="02070309020205020404" pitchFamily="49" charset="0"/>
-            </a:endParaRPr>
           </a:p>
           <a:p>
             <a:endParaRPr lang="en-US" dirty="0"/>
@@ -7470,8 +7457,8 @@
         </p:nvSpPr>
         <p:spPr>
           <a:xfrm>
-            <a:off x="1050925" y="3665633"/>
-            <a:ext cx="6597223" cy="830997"/>
+            <a:off x="2139379" y="3382169"/>
+            <a:ext cx="4865243" cy="830997"/>
           </a:xfrm>
           <a:prstGeom prst="rect">
             <a:avLst/>
@@ -7606,33 +7593,17 @@
           </a:lstStyle>
           <a:p>
             <a:r>
-              <a:rPr lang="en-US" sz="1600" b="1" dirty="0" err="1"/>
-              <a:t>lookupTable</a:t>
-            </a:r>
-            <a:r>
               <a:rPr lang="en-US" sz="1600" b="1" dirty="0"/>
-              <a:t> = </a:t>
-            </a:r>
-            <a:r>
-              <a:rPr lang="en-US" sz="1600" b="1" dirty="0" err="1"/>
-              <a:t>sc.broadcast</a:t>
-            </a:r>
+              <a:t>lookupTable = sc.broadcast([1, 2, 3])</a:t>
+            </a:r>
+          </a:p>
+          <a:p>
+            <a:endParaRPr lang="en-US" sz="1600" b="1" dirty="0"/>
+          </a:p>
+          <a:p>
             <a:r>
               <a:rPr lang="en-US" sz="1600" b="1" dirty="0"/>
-              <a:t>([1, 2, 3])</a:t>
-            </a:r>
-          </a:p>
-          <a:p>
-            <a:endParaRPr lang="en-US" sz="1600" b="1" dirty="0"/>
-          </a:p>
-          <a:p>
-            <a:r>
-              <a:rPr lang="en-US" sz="1600" b="1" dirty="0" err="1"/>
-              <a:t>lookupTable.value</a:t>
-            </a:r>
-            <a:r>
-              <a:rPr lang="en-US" sz="1600" b="1" dirty="0"/>
-              <a:t> </a:t>
+              <a:t>lookupTable.value </a:t>
             </a:r>
             <a:r>
               <a:rPr lang="en-US" sz="1600" b="1" dirty="0">
@@ -7702,7 +7673,7 @@
           <a:p>
             <a:r>
               <a:rPr lang="en-US" dirty="0"/>
-              <a:t>Using a regular Python variable would not scale out to the cluster level, so you need a special way to handle this, so that each node can contribute to one global counter</a:t>
+              <a:t>Using a regular Python variable would not scale out to the cluster level, so you need a special way to handle this so that each node can contribute to one global counter</a:t>
             </a:r>
           </a:p>
           <a:p>
@@ -7719,7 +7690,7 @@
             </a:r>
             <a:r>
               <a:rPr lang="en-US" dirty="0"/>
-              <a:t> method on the spark context meant just for this</a:t>
+              <a:t> method on the Spark context meant just for this</a:t>
             </a:r>
           </a:p>
           <a:p>
@@ -7782,8 +7753,8 @@
         </p:nvSpPr>
         <p:spPr>
           <a:xfrm>
-            <a:off x="1050925" y="3268495"/>
-            <a:ext cx="6597223" cy="1815882"/>
+            <a:off x="2733739" y="3049039"/>
+            <a:ext cx="3676523" cy="1815882"/>
           </a:xfrm>
           <a:prstGeom prst="rect">
             <a:avLst/>
@@ -7919,15 +7890,7 @@
           <a:p>
             <a:r>
               <a:rPr lang="en-US" sz="1600" b="1" dirty="0"/>
-              <a:t>counter = </a:t>
-            </a:r>
-            <a:r>
-              <a:rPr lang="en-US" sz="1600" b="1" dirty="0" err="1"/>
-              <a:t>sc.accumulator</a:t>
-            </a:r>
-            <a:r>
-              <a:rPr lang="en-US" sz="1600" b="1" dirty="0"/>
-              <a:t>(0)</a:t>
+              <a:t>counter = sc.accumulator(0)</a:t>
             </a:r>
           </a:p>
           <a:p>
@@ -7963,15 +7926,7 @@
           <a:p>
             <a:r>
               <a:rPr lang="en-US" sz="1600" b="1" dirty="0"/>
-              <a:t>print (</a:t>
-            </a:r>
-            <a:r>
-              <a:rPr lang="en-US" sz="1600" b="1" dirty="0" err="1"/>
-              <a:t>counter.value</a:t>
-            </a:r>
-            <a:r>
-              <a:rPr lang="en-US" sz="1600" b="1" dirty="0"/>
-              <a:t>)</a:t>
+              <a:t>print (counter.value)</a:t>
             </a:r>
             <a:endParaRPr lang="en-US" sz="1600" dirty="0"/>
           </a:p>
@@ -8298,7 +8253,7 @@
           <a:p>
             <a:r>
               <a:rPr lang="en-US" dirty="0"/>
-              <a:t>Used NLTK &amp; Spark pipeline transformation to process natural language</a:t>
+              <a:t>Used NLTK and Spark pipeline transformation to process natural language</a:t>
             </a:r>
           </a:p>
           <a:p>
@@ -8414,7 +8369,7 @@
           <a:p>
             <a:r>
               <a:rPr lang="en-US" dirty="0"/>
-              <a:t>Use NLTK &amp; Spark pipeline transformation to process natural language</a:t>
+              <a:t>Use NLTK and Spark pipeline transformation to process natural language</a:t>
             </a:r>
           </a:p>
           <a:p>
@@ -8776,19 +8731,19 @@
           <a:p>
             <a:r>
               <a:rPr lang="en-US" sz="1700" dirty="0"/>
-              <a:t>Processing free form text is not as simple as a formatted table structured object</a:t>
+              <a:t>Processing free-form text is not as simple as a formatted table-structured object</a:t>
             </a:r>
           </a:p>
           <a:p>
             <a:r>
               <a:rPr lang="en-US" sz="1700" dirty="0"/>
-              <a:t>You need to break the natural language up into pieces and fix variations in the wording to try to standardize it an extract meaning</a:t>
+              <a:t>You need to break the natural language up into pieces and fix variations in the wording to try to standardize it and extract meaning</a:t>
             </a:r>
           </a:p>
           <a:p>
             <a:r>
               <a:rPr lang="en-US" sz="1700" dirty="0"/>
-              <a:t>There are many different types of transformations you can do to text and they vary depending on the text and what you're trying to do with the results</a:t>
+              <a:t>There are many different types of transformations you can do to text and they vary depending on the text and what you’re trying to do with the results</a:t>
             </a:r>
           </a:p>
           <a:p>
@@ -8801,49 +8756,49 @@
             <a:pPr lvl="1"/>
             <a:r>
               <a:rPr lang="en-US" sz="1700" dirty="0"/>
-              <a:t>break the text up into sentences and words</a:t>
+              <a:t>Break the text up into sentences and words</a:t>
             </a:r>
           </a:p>
           <a:p>
             <a:pPr lvl="1"/>
             <a:r>
               <a:rPr lang="en-US" sz="1700" dirty="0"/>
-              <a:t>fix the words by adjust everything to the same case</a:t>
+              <a:t>Fix the words by adjusting everything to the same case</a:t>
             </a:r>
           </a:p>
           <a:p>
             <a:pPr lvl="1"/>
             <a:r>
               <a:rPr lang="en-US" sz="1700" dirty="0"/>
-              <a:t>remove punctuation</a:t>
+              <a:t>Remove punctuation</a:t>
             </a:r>
           </a:p>
           <a:p>
             <a:pPr lvl="1"/>
             <a:r>
               <a:rPr lang="en-US" sz="1700" dirty="0"/>
-              <a:t>standardize word variations to the root word</a:t>
+              <a:t>Standardize word variations to the root word</a:t>
             </a:r>
           </a:p>
           <a:p>
             <a:pPr lvl="1"/>
             <a:r>
               <a:rPr lang="en-US" sz="1700" dirty="0"/>
-              <a:t>remove insignificant words</a:t>
+              <a:t>Remove insignificant words</a:t>
             </a:r>
           </a:p>
           <a:p>
             <a:pPr lvl="1"/>
             <a:r>
               <a:rPr lang="en-US" sz="1700" dirty="0"/>
-              <a:t>find natural word groupings that make up a phrase</a:t>
+              <a:t>Find natural word groupings that make up a phrase</a:t>
             </a:r>
           </a:p>
           <a:p>
             <a:pPr lvl="1"/>
             <a:r>
               <a:rPr lang="en-US" sz="1700" dirty="0"/>
-              <a:t>determine the overall sentiment of the words</a:t>
+              <a:t>Determine the overall sentiment of the words</a:t>
             </a:r>
           </a:p>
           <a:p>
@@ -8931,71 +8886,77 @@
           <a:p>
             <a:r>
               <a:rPr lang="en-US" dirty="0"/>
-              <a:t>NLTK stands for Natural Language Tool Kit and is a comprehensive python package with lots of functions to manipulate text</a:t>
-            </a:r>
-          </a:p>
-          <a:p>
+              <a:t>NLTK stands for </a:t>
+            </a:r>
+            <a:r>
+              <a:rPr lang="en-US" b="1" dirty="0"/>
+              <a:t>N</a:t>
+            </a:r>
             <a:r>
               <a:rPr lang="en-US" dirty="0"/>
-              <a:t>It is a stand alone python package but it works in a distributed mode on Spark RDD's</a:t>
-            </a:r>
-          </a:p>
-          <a:p>
+              <a:t>atural </a:t>
+            </a:r>
+            <a:r>
+              <a:rPr lang="en-US" b="1" dirty="0"/>
+              <a:t>L</a:t>
+            </a:r>
             <a:r>
               <a:rPr lang="en-US" dirty="0"/>
-              <a:t>Install it as normal </a:t>
+              <a:t>anguage </a:t>
+            </a:r>
+            <a:r>
+              <a:rPr lang="en-US" b="1" dirty="0"/>
+              <a:t>T</a:t>
+            </a:r>
+            <a:r>
+              <a:rPr lang="en-US" dirty="0"/>
+              <a:t>ool </a:t>
+            </a:r>
+            <a:r>
+              <a:rPr lang="en-US" b="1" dirty="0"/>
+              <a:t>K</a:t>
+            </a:r>
+            <a:r>
+              <a:rPr lang="en-US" dirty="0"/>
+              <a:t>it and is a comprehensive Python package with lots of functions to manipulate text</a:t>
+            </a:r>
+          </a:p>
+          <a:p>
+            <a:r>
+              <a:rPr lang="en-US" dirty="0"/>
+              <a:t>It is a stand-alone Python package, but it works in a distributed mode on Spark RDDs</a:t>
+            </a:r>
+          </a:p>
+          <a:p>
+            <a:r>
+              <a:rPr lang="en-US" dirty="0"/>
+              <a:t>Install it as normal: </a:t>
             </a:r>
             <a:r>
               <a:rPr lang="en-US" dirty="0">
                 <a:latin typeface="Courier New" panose="02070309020205020404" pitchFamily="49" charset="0"/>
                 <a:cs typeface="Courier New" panose="02070309020205020404" pitchFamily="49" charset="0"/>
               </a:rPr>
-              <a:t>pip install </a:t>
-            </a:r>
-            <a:r>
-              <a:rPr lang="en-US" dirty="0" err="1">
-                <a:latin typeface="Courier New" panose="02070309020205020404" pitchFamily="49" charset="0"/>
-                <a:cs typeface="Courier New" panose="02070309020205020404" pitchFamily="49" charset="0"/>
-              </a:rPr>
-              <a:t>nltk</a:t>
-            </a:r>
-            <a:endParaRPr lang="en-US" dirty="0">
-              <a:latin typeface="Courier New" panose="02070309020205020404" pitchFamily="49" charset="0"/>
-              <a:cs typeface="Courier New" panose="02070309020205020404" pitchFamily="49" charset="0"/>
-            </a:endParaRPr>
+              <a:t>pip install nltk</a:t>
+            </a:r>
           </a:p>
           <a:p>
             <a:r>
               <a:rPr lang="en-US" dirty="0"/>
-              <a:t>Import it as normal </a:t>
+              <a:t>Import it as normal: </a:t>
             </a:r>
             <a:r>
               <a:rPr lang="en-US" dirty="0">
                 <a:latin typeface="Courier New" panose="02070309020205020404" pitchFamily="49" charset="0"/>
                 <a:cs typeface="Courier New" panose="02070309020205020404" pitchFamily="49" charset="0"/>
               </a:rPr>
-              <a:t>import </a:t>
-            </a:r>
-            <a:r>
-              <a:rPr lang="en-US" dirty="0" err="1">
-                <a:latin typeface="Courier New" panose="02070309020205020404" pitchFamily="49" charset="0"/>
-                <a:cs typeface="Courier New" panose="02070309020205020404" pitchFamily="49" charset="0"/>
-              </a:rPr>
-              <a:t>nltk</a:t>
-            </a:r>
-            <a:endParaRPr lang="en-US" dirty="0">
-              <a:latin typeface="Courier New" panose="02070309020205020404" pitchFamily="49" charset="0"/>
-              <a:cs typeface="Courier New" panose="02070309020205020404" pitchFamily="49" charset="0"/>
-            </a:endParaRPr>
+              <a:t>import nltk</a:t>
+            </a:r>
           </a:p>
           <a:p>
             <a:r>
               <a:rPr lang="en-US" dirty="0"/>
-              <a:t>Let's explore the features and examples in </a:t>
-            </a:r>
-            <a:r>
-              <a:rPr lang="en-US" dirty="0" err="1"/>
-              <a:t>Jupyter</a:t>
+              <a:t>Let’s explore the features and examples in Jupyter</a:t>
             </a:r>
             <a:endParaRPr lang="en-US" dirty="0">
               <a:latin typeface="Courier New" panose="02070309020205020404" pitchFamily="49" charset="0"/>
@@ -9094,16 +9055,12 @@
               <a:t>Found in </a:t>
             </a:r>
             <a:r>
-              <a:rPr lang="en-US" dirty="0" err="1">
+              <a:rPr lang="en-US" dirty="0">
                 <a:latin typeface="Courier New" panose="02070309020205020404" pitchFamily="49" charset="0"/>
                 <a:cs typeface="Courier New" panose="02070309020205020404" pitchFamily="49" charset="0"/>
               </a:rPr>
               <a:t>pyspark.ml.features</a:t>
             </a:r>
-            <a:endParaRPr lang="en-US" dirty="0">
-              <a:latin typeface="Courier New" panose="02070309020205020404" pitchFamily="49" charset="0"/>
-              <a:cs typeface="Courier New" panose="02070309020205020404" pitchFamily="49" charset="0"/>
-            </a:endParaRPr>
           </a:p>
           <a:p>
             <a:r>
@@ -9120,7 +9077,7 @@
           </a:p>
           <a:p>
             <a:r>
-              <a:rPr lang="en-US" dirty="0" err="1">
+              <a:rPr lang="en-US" dirty="0">
                 <a:latin typeface="Courier New" panose="02070309020205020404" pitchFamily="49" charset="0"/>
                 <a:cs typeface="Courier New" panose="02070309020205020404" pitchFamily="49" charset="0"/>
               </a:rPr>
@@ -9133,7 +9090,7 @@
           </a:p>
           <a:p>
             <a:r>
-              <a:rPr lang="en-US" dirty="0" err="1">
+              <a:rPr lang="en-US" dirty="0">
                 <a:latin typeface="Courier New" panose="02070309020205020404" pitchFamily="49" charset="0"/>
                 <a:cs typeface="Courier New" panose="02070309020205020404" pitchFamily="49" charset="0"/>
               </a:rPr>
@@ -9146,7 +9103,7 @@
           </a:p>
           <a:p>
             <a:r>
-              <a:rPr lang="en-US" dirty="0" err="1">
+              <a:rPr lang="en-US" dirty="0">
                 <a:latin typeface="Courier New" panose="02070309020205020404" pitchFamily="49" charset="0"/>
                 <a:cs typeface="Courier New" panose="02070309020205020404" pitchFamily="49" charset="0"/>
               </a:rPr>
@@ -9154,7 +9111,7 @@
             </a:r>
             <a:r>
               <a:rPr lang="en-US" dirty="0"/>
-              <a:t> transforms takes a set of words and vectorizes them</a:t>
+              <a:t> transforms a set of words and vectorizes them</a:t>
             </a:r>
           </a:p>
           <a:p>
@@ -9173,15 +9130,7 @@
           <a:p>
             <a:r>
               <a:rPr lang="en-US" dirty="0"/>
-              <a:t>Usually just follow a common recipe to fix up a </a:t>
-            </a:r>
-            <a:r>
-              <a:rPr lang="en-US" dirty="0" err="1"/>
-              <a:t>dataframe</a:t>
-            </a:r>
-            <a:r>
-              <a:rPr lang="en-US" dirty="0"/>
-              <a:t> into the shape you need for ML operations by putting the various steps into a pipeline</a:t>
+              <a:t>Usually, just follow a common recipe to fix up a DataFrame into the shape you need for ML operations by putting the various steps into a pipeline</a:t>
             </a:r>
           </a:p>
           <a:p>
@@ -9261,15 +9210,7 @@
           <a:p>
             <a:r>
               <a:rPr lang="en-US" dirty="0"/>
-              <a:t>Word Clouds and other charts can be made from the results of the text processing by bringing the small </a:t>
-            </a:r>
-            <a:r>
-              <a:rPr lang="en-US" dirty="0" err="1"/>
-              <a:t>DataFrame</a:t>
-            </a:r>
-            <a:r>
-              <a:rPr lang="en-US" dirty="0"/>
-              <a:t> results back to the driver</a:t>
+              <a:t>Word Clouds and other charts can be made from the results of the text processing by bringing the small DataFrame results back to the driver</a:t>
             </a:r>
           </a:p>
           <a:p>
@@ -9317,7 +9258,7 @@
           <p:nvPr/>
         </p:nvPicPr>
         <p:blipFill>
-          <a:blip r:embed="rId3">
+          <a:blip r:embed="rId3" cstate="print">
             <a:extLst>
               <a:ext uri="{28A0092B-C50C-407E-A947-70E740481C1C}">
                 <a14:useLocalDpi xmlns:a14="http://schemas.microsoft.com/office/drawing/2010/main" val="0"/>
@@ -9330,12 +9271,19 @@
         </p:blipFill>
         <p:spPr>
           <a:xfrm>
-            <a:off x="4485261" y="3158186"/>
-            <a:ext cx="4323806" cy="2701680"/>
+            <a:off x="4640709" y="3288146"/>
+            <a:ext cx="4115814" cy="2571719"/>
           </a:xfrm>
           <a:prstGeom prst="rect">
             <a:avLst/>
           </a:prstGeom>
+          <a:effectLst>
+            <a:outerShdw blurRad="50800" dist="38100" dir="2700000" algn="tl" rotWithShape="0">
+              <a:prstClr val="black">
+                <a:alpha val="40000"/>
+              </a:prstClr>
+            </a:outerShdw>
+          </a:effectLst>
         </p:spPr>
       </p:pic>
       <p:pic>
@@ -9353,7 +9301,7 @@
           <p:nvPr/>
         </p:nvPicPr>
         <p:blipFill>
-          <a:blip r:embed="rId4">
+          <a:blip r:embed="rId4" cstate="print">
             <a:extLst>
               <a:ext uri="{28A0092B-C50C-407E-A947-70E740481C1C}">
                 <a14:useLocalDpi xmlns:a14="http://schemas.microsoft.com/office/drawing/2010/main" val="0"/>
@@ -9366,7 +9314,7 @@
         </p:blipFill>
         <p:spPr>
           <a:xfrm>
-            <a:off x="326571" y="2008655"/>
+            <a:off x="600891" y="2008655"/>
             <a:ext cx="3904236" cy="2749234"/>
           </a:xfrm>
           <a:prstGeom prst="rect">
@@ -9696,21 +9644,21 @@
           <a:p>
             <a:r>
               <a:rPr lang="en-US" dirty="0"/>
-              <a:t>You will see various tabs where you can watch the progress of</a:t>
+              <a:t>You will see various tabs where you can:</a:t>
             </a:r>
           </a:p>
           <a:p>
             <a:pPr lvl="1"/>
             <a:r>
               <a:rPr lang="en-US" dirty="0"/>
-              <a:t>Jobs</a:t>
+              <a:t>Watch the progress of jobs</a:t>
             </a:r>
           </a:p>
           <a:p>
             <a:pPr lvl="1"/>
             <a:r>
               <a:rPr lang="en-US" dirty="0"/>
-              <a:t>Stages</a:t>
+              <a:t>Watch the progress of stages</a:t>
             </a:r>
           </a:p>
           <a:p>
@@ -10999,12 +10947,6 @@
 </file>
 
 <file path=customXml/item2.xml><?xml version="1.0" encoding="utf-8"?>
-<p:properties xmlns:p="http://schemas.microsoft.com/office/2006/metadata/properties" xmlns:xsi="http://www.w3.org/2001/XMLSchema-instance" xmlns:pc="http://schemas.microsoft.com/office/infopath/2007/PartnerControls">
-  <documentManagement/>
-</p:properties>
-</file>
-
-<file path=customXml/item3.xml><?xml version="1.0" encoding="utf-8"?>
 <ct:contentTypeSchema xmlns:ct="http://schemas.microsoft.com/office/2006/metadata/contentType" xmlns:ma="http://schemas.microsoft.com/office/2006/metadata/properties/metaAttributes" ct:_="" ma:_="" ma:contentTypeName="Document" ma:contentTypeID="0x0101004C58D7A746750E48B9E257CBBD401C71" ma:contentTypeVersion="5" ma:contentTypeDescription="Create a new document." ma:contentTypeScope="" ma:versionID="9b104746e7bcdc89d5c9d8909bc79033">
   <xsd:schema xmlns:xsd="http://www.w3.org/2001/XMLSchema" xmlns:xs="http://www.w3.org/2001/XMLSchema" xmlns:p="http://schemas.microsoft.com/office/2006/metadata/properties" xmlns:ns2="3f1ded34-099e-46dd-b0de-95a90e7e1e5f" targetNamespace="http://schemas.microsoft.com/office/2006/metadata/properties" ma:root="true" ma:fieldsID="39039af933a2d9dca5a96354c4c2b0ed" ns2:_="">
     <xsd:import namespace="3f1ded34-099e-46dd-b0de-95a90e7e1e5f"/>
@@ -11156,6 +11098,12 @@
 </ct:contentTypeSchema>
 </file>
 
+<file path=customXml/item3.xml><?xml version="1.0" encoding="utf-8"?>
+<p:properties xmlns:p="http://schemas.microsoft.com/office/2006/metadata/properties" xmlns:xsi="http://www.w3.org/2001/XMLSchema-instance" xmlns:pc="http://schemas.microsoft.com/office/infopath/2007/PartnerControls">
+  <documentManagement/>
+</p:properties>
+</file>
+
 <file path=customXml/itemProps1.xml><?xml version="1.0" encoding="utf-8"?>
 <ds:datastoreItem xmlns:ds="http://schemas.openxmlformats.org/officeDocument/2006/customXml" ds:itemID="{2DA015F3-603C-4688-A5F3-81D587DAB8C9}">
   <ds:schemaRefs>
@@ -11165,22 +11113,6 @@
 </file>
 
 <file path=customXml/itemProps2.xml><?xml version="1.0" encoding="utf-8"?>
-<ds:datastoreItem xmlns:ds="http://schemas.openxmlformats.org/officeDocument/2006/customXml" ds:itemID="{F47B9207-CE5C-49AD-B414-15CBFA246D65}">
-  <ds:schemaRefs>
-    <ds:schemaRef ds:uri="http://purl.org/dc/terms/"/>
-    <ds:schemaRef ds:uri="3f1ded34-099e-46dd-b0de-95a90e7e1e5f"/>
-    <ds:schemaRef ds:uri="http://schemas.microsoft.com/office/2006/documentManagement/types"/>
-    <ds:schemaRef ds:uri="http://schemas.microsoft.com/office/infopath/2007/PartnerControls"/>
-    <ds:schemaRef ds:uri="http://purl.org/dc/elements/1.1/"/>
-    <ds:schemaRef ds:uri="http://schemas.microsoft.com/office/2006/metadata/properties"/>
-    <ds:schemaRef ds:uri="http://schemas.openxmlformats.org/package/2006/metadata/core-properties"/>
-    <ds:schemaRef ds:uri="http://www.w3.org/XML/1998/namespace"/>
-    <ds:schemaRef ds:uri="http://purl.org/dc/dcmitype/"/>
-  </ds:schemaRefs>
-</ds:datastoreItem>
-</file>
-
-<file path=customXml/itemProps3.xml><?xml version="1.0" encoding="utf-8"?>
 <ds:datastoreItem xmlns:ds="http://schemas.openxmlformats.org/officeDocument/2006/customXml" ds:itemID="{6751EBC6-C433-43E6-8F46-C6D6D677BF51}">
   <ds:schemaRefs>
     <ds:schemaRef ds:uri="http://schemas.microsoft.com/office/2006/metadata/contentType"/>
@@ -11196,4 +11128,20 @@
     <ds:schemaRef ds:uri="http://schemas.microsoft.com/internal/obd"/>
   </ds:schemaRefs>
 </ds:datastoreItem>
+</file>
+
+<file path=customXml/itemProps3.xml><?xml version="1.0" encoding="utf-8"?>
+<ds:datastoreItem xmlns:ds="http://schemas.openxmlformats.org/officeDocument/2006/customXml" ds:itemID="{F47B9207-CE5C-49AD-B414-15CBFA246D65}">
+  <ds:schemaRefs>
+    <ds:schemaRef ds:uri="http://purl.org/dc/terms/"/>
+    <ds:schemaRef ds:uri="3f1ded34-099e-46dd-b0de-95a90e7e1e5f"/>
+    <ds:schemaRef ds:uri="http://schemas.microsoft.com/office/2006/documentManagement/types"/>
+    <ds:schemaRef ds:uri="http://schemas.microsoft.com/office/infopath/2007/PartnerControls"/>
+    <ds:schemaRef ds:uri="http://purl.org/dc/elements/1.1/"/>
+    <ds:schemaRef ds:uri="http://schemas.microsoft.com/office/2006/metadata/properties"/>
+    <ds:schemaRef ds:uri="http://schemas.openxmlformats.org/package/2006/metadata/core-properties"/>
+    <ds:schemaRef ds:uri="http://www.w3.org/XML/1998/namespace"/>
+    <ds:schemaRef ds:uri="http://purl.org/dc/dcmitype/"/>
+  </ds:schemaRefs>
+</ds:datastoreItem>
 </file>